--- a/database/slides/GOD_IS_DWELLING_IN_MY_HEART.pptx
+++ b/database/slides/GOD_IS_DWELLING_IN_MY_HEART.pptx
@@ -15738,10 +15738,10 @@
       </p:sp>
       <p:sp>
         <p:nvSpPr>
-          <p:cNvPr id="2" name="Google Shape;131;p25">
+          <p:cNvPr id="3" name="Google Shape;131;p25">
             <a:extLst>
               <a:ext uri="{FF2B5EF4-FFF2-40B4-BE49-F238E27FC236}">
-                <a16:creationId xmlns:a16="http://schemas.microsoft.com/office/drawing/2014/main" id="{D52EC9D0-7E26-8DB1-5E45-E44879F04F30}"/>
+                <a16:creationId xmlns:a16="http://schemas.microsoft.com/office/drawing/2014/main" id="{E4FA0DD6-5CE8-CC6B-D572-7E02F23B91F5}"/>
               </a:ext>
             </a:extLst>
           </p:cNvPr>
